--- a/pub/Management/WBSbyArea/KeyProjectDrivers-Year5.pptx
+++ b/pub/Management/WBSbyArea/KeyProjectDrivers-Year5.pptx
@@ -3727,7 +3727,7 @@
             </a:br>
             <a:r>
               <a:rPr lang="en-US" sz="2000"/>
-              <a:t>Ruth Pordes, June 15th 2009</a:t>
+              <a:t>Ruth Pordes, June 15th 2010</a:t>
             </a:r>
             <a:endParaRPr lang="en-US" sz="3600" b="1">
               <a:effectLst>
@@ -5384,11 +5384,7 @@
             <a:pPr lvl="1"/>
             <a:r>
               <a:rPr lang="en-US" sz="1800"/>
-              <a:t>Please read current documents in the document repository</a:t>
-            </a:r>
-            <a:r>
-              <a:rPr lang="en-US" sz="1800"/>
-              <a:t> </a:t>
+              <a:t>Please read current documents in the document repository </a:t>
             </a:r>
             <a:r>
               <a:rPr lang="en-US" sz="1800">
@@ -5400,7 +5396,6 @@
               <a:rPr lang="en-US" sz="1800"/>
               <a:t> (note I have made these publicly readable for the short term so you can access them easily.)</a:t>
             </a:r>
-            <a:endParaRPr lang="en-US" sz="1800"/>
           </a:p>
           <a:p>
             <a:pPr lvl="1"/>
@@ -5433,11 +5428,7 @@
             <a:pPr lvl="1"/>
             <a:r>
               <a:rPr lang="en-US" sz="1800"/>
-              <a:t>	</a:t>
-            </a:r>
-            <a:r>
-              <a:rPr lang="en-US" sz="1800"/>
-              <a:t>Documentation</a:t>
+              <a:t>	Documentation</a:t>
             </a:r>
           </a:p>
           <a:p>
